--- a/Quant Trading Lecture.pptx
+++ b/Quant Trading Lecture.pptx
@@ -1324,591 +1324,6 @@
       <dsp:cNvGrpSpPr/>
     </dsp:nvGrpSpPr>
     <dsp:grpSpPr/>
-    <dsp:sp modelId="{E2D8BB90-ECA4-4B03-A2CF-8F641CBFD37E}">
-      <dsp:nvSpPr>
-        <dsp:cNvPr id="0" name=""/>
-        <dsp:cNvSpPr/>
-      </dsp:nvSpPr>
-      <dsp:spPr>
-        <a:xfrm>
-          <a:off x="0" y="1169401"/>
-          <a:ext cx="10114722" cy="1559202"/>
-        </a:xfrm>
-        <a:prstGeom prst="notchedRightArrow">
-          <a:avLst/>
-        </a:prstGeom>
-        <a:solidFill>
-          <a:schemeClr val="accent1">
-            <a:tint val="40000"/>
-            <a:hueOff val="0"/>
-            <a:satOff val="0"/>
-            <a:lumOff val="0"/>
-            <a:alphaOff val="0"/>
-          </a:schemeClr>
-        </a:solidFill>
-        <a:ln>
-          <a:noFill/>
-        </a:ln>
-        <a:effectLst/>
-      </dsp:spPr>
-      <dsp:style>
-        <a:lnRef idx="0">
-          <a:scrgbClr r="0" g="0" b="0"/>
-        </a:lnRef>
-        <a:fillRef idx="1">
-          <a:scrgbClr r="0" g="0" b="0"/>
-        </a:fillRef>
-        <a:effectRef idx="0">
-          <a:scrgbClr r="0" g="0" b="0"/>
-        </a:effectRef>
-        <a:fontRef idx="minor"/>
-      </dsp:style>
-    </dsp:sp>
-    <dsp:sp modelId="{901CE676-EA24-4D0B-B71E-2CB8692A4664}">
-      <dsp:nvSpPr>
-        <dsp:cNvPr id="0" name=""/>
-        <dsp:cNvSpPr/>
-      </dsp:nvSpPr>
-      <dsp:spPr>
-        <a:xfrm>
-          <a:off x="4000" y="0"/>
-          <a:ext cx="1749086" cy="1559202"/>
-        </a:xfrm>
-        <a:prstGeom prst="rect">
-          <a:avLst/>
-        </a:prstGeom>
-        <a:noFill/>
-        <a:ln>
-          <a:noFill/>
-        </a:ln>
-        <a:effectLst/>
-      </dsp:spPr>
-      <dsp:style>
-        <a:lnRef idx="0">
-          <a:scrgbClr r="0" g="0" b="0"/>
-        </a:lnRef>
-        <a:fillRef idx="0">
-          <a:scrgbClr r="0" g="0" b="0"/>
-        </a:fillRef>
-        <a:effectRef idx="0">
-          <a:scrgbClr r="0" g="0" b="0"/>
-        </a:effectRef>
-        <a:fontRef idx="minor"/>
-      </dsp:style>
-      <dsp:txBody>
-        <a:bodyPr spcFirstLastPara="0" vert="horz" wrap="square" lIns="220472" tIns="220472" rIns="220472" bIns="220472" numCol="1" spcCol="1270" anchor="b" anchorCtr="0">
-          <a:noAutofit/>
-        </a:bodyPr>
-        <a:lstStyle/>
-        <a:p>
-          <a:pPr lvl="0" algn="ctr" defTabSz="1377950">
-            <a:lnSpc>
-              <a:spcPct val="90000"/>
-            </a:lnSpc>
-            <a:spcBef>
-              <a:spcPct val="0"/>
-            </a:spcBef>
-            <a:spcAft>
-              <a:spcPct val="35000"/>
-            </a:spcAft>
-          </a:pPr>
-          <a:r>
-            <a:rPr lang="en-US" sz="3100" kern="1200" dirty="0" smtClean="0"/>
-            <a:t>Ultra HFT</a:t>
-          </a:r>
-          <a:endParaRPr lang="en-US" sz="3100" kern="1200" dirty="0"/>
-        </a:p>
-      </dsp:txBody>
-      <dsp:txXfrm>
-        <a:off x="4000" y="0"/>
-        <a:ext cx="1749086" cy="1559202"/>
-      </dsp:txXfrm>
-    </dsp:sp>
-    <dsp:sp modelId="{C05F548F-7CA0-46A9-9152-88DFB09FEFC6}">
-      <dsp:nvSpPr>
-        <dsp:cNvPr id="0" name=""/>
-        <dsp:cNvSpPr/>
-      </dsp:nvSpPr>
-      <dsp:spPr>
-        <a:xfrm>
-          <a:off x="683643" y="1754102"/>
-          <a:ext cx="389800" cy="389800"/>
-        </a:xfrm>
-        <a:prstGeom prst="ellipse">
-          <a:avLst/>
-        </a:prstGeom>
-        <a:solidFill>
-          <a:schemeClr val="accent1">
-            <a:hueOff val="0"/>
-            <a:satOff val="0"/>
-            <a:lumOff val="0"/>
-            <a:alphaOff val="0"/>
-          </a:schemeClr>
-        </a:solidFill>
-        <a:ln w="15875" cap="flat" cmpd="sng" algn="ctr">
-          <a:solidFill>
-            <a:schemeClr val="lt1">
-              <a:hueOff val="0"/>
-              <a:satOff val="0"/>
-              <a:lumOff val="0"/>
-              <a:alphaOff val="0"/>
-            </a:schemeClr>
-          </a:solidFill>
-          <a:prstDash val="solid"/>
-        </a:ln>
-        <a:effectLst/>
-      </dsp:spPr>
-      <dsp:style>
-        <a:lnRef idx="2">
-          <a:scrgbClr r="0" g="0" b="0"/>
-        </a:lnRef>
-        <a:fillRef idx="1">
-          <a:scrgbClr r="0" g="0" b="0"/>
-        </a:fillRef>
-        <a:effectRef idx="0">
-          <a:scrgbClr r="0" g="0" b="0"/>
-        </a:effectRef>
-        <a:fontRef idx="minor">
-          <a:schemeClr val="lt1"/>
-        </a:fontRef>
-      </dsp:style>
-    </dsp:sp>
-    <dsp:sp modelId="{7F0512CE-044B-4136-96F5-02FBAD16CB8A}">
-      <dsp:nvSpPr>
-        <dsp:cNvPr id="0" name=""/>
-        <dsp:cNvSpPr/>
-      </dsp:nvSpPr>
-      <dsp:spPr>
-        <a:xfrm>
-          <a:off x="1840541" y="2338803"/>
-          <a:ext cx="1749086" cy="1559202"/>
-        </a:xfrm>
-        <a:prstGeom prst="rect">
-          <a:avLst/>
-        </a:prstGeom>
-        <a:noFill/>
-        <a:ln>
-          <a:noFill/>
-        </a:ln>
-        <a:effectLst/>
-      </dsp:spPr>
-      <dsp:style>
-        <a:lnRef idx="0">
-          <a:scrgbClr r="0" g="0" b="0"/>
-        </a:lnRef>
-        <a:fillRef idx="0">
-          <a:scrgbClr r="0" g="0" b="0"/>
-        </a:fillRef>
-        <a:effectRef idx="0">
-          <a:scrgbClr r="0" g="0" b="0"/>
-        </a:effectRef>
-        <a:fontRef idx="minor"/>
-      </dsp:style>
-      <dsp:txBody>
-        <a:bodyPr spcFirstLastPara="0" vert="horz" wrap="square" lIns="220472" tIns="220472" rIns="220472" bIns="220472" numCol="1" spcCol="1270" anchor="t" anchorCtr="0">
-          <a:noAutofit/>
-        </a:bodyPr>
-        <a:lstStyle/>
-        <a:p>
-          <a:pPr lvl="0" algn="ctr" defTabSz="1377950">
-            <a:lnSpc>
-              <a:spcPct val="90000"/>
-            </a:lnSpc>
-            <a:spcBef>
-              <a:spcPct val="0"/>
-            </a:spcBef>
-            <a:spcAft>
-              <a:spcPct val="35000"/>
-            </a:spcAft>
-          </a:pPr>
-          <a:r>
-            <a:rPr lang="en-US" sz="3100" kern="1200" dirty="0" smtClean="0"/>
-            <a:t>HFT</a:t>
-          </a:r>
-          <a:endParaRPr lang="en-US" sz="3100" kern="1200" dirty="0"/>
-        </a:p>
-      </dsp:txBody>
-      <dsp:txXfrm>
-        <a:off x="1840541" y="2338803"/>
-        <a:ext cx="1749086" cy="1559202"/>
-      </dsp:txXfrm>
-    </dsp:sp>
-    <dsp:sp modelId="{178BB61A-6C72-4BE8-B17D-4C33303DD911}">
-      <dsp:nvSpPr>
-        <dsp:cNvPr id="0" name=""/>
-        <dsp:cNvSpPr/>
-      </dsp:nvSpPr>
-      <dsp:spPr>
-        <a:xfrm>
-          <a:off x="2520183" y="1754102"/>
-          <a:ext cx="389800" cy="389800"/>
-        </a:xfrm>
-        <a:prstGeom prst="ellipse">
-          <a:avLst/>
-        </a:prstGeom>
-        <a:solidFill>
-          <a:schemeClr val="accent1">
-            <a:hueOff val="0"/>
-            <a:satOff val="0"/>
-            <a:lumOff val="0"/>
-            <a:alphaOff val="0"/>
-          </a:schemeClr>
-        </a:solidFill>
-        <a:ln w="15875" cap="flat" cmpd="sng" algn="ctr">
-          <a:solidFill>
-            <a:schemeClr val="lt1">
-              <a:hueOff val="0"/>
-              <a:satOff val="0"/>
-              <a:lumOff val="0"/>
-              <a:alphaOff val="0"/>
-            </a:schemeClr>
-          </a:solidFill>
-          <a:prstDash val="solid"/>
-        </a:ln>
-        <a:effectLst/>
-      </dsp:spPr>
-      <dsp:style>
-        <a:lnRef idx="2">
-          <a:scrgbClr r="0" g="0" b="0"/>
-        </a:lnRef>
-        <a:fillRef idx="1">
-          <a:scrgbClr r="0" g="0" b="0"/>
-        </a:fillRef>
-        <a:effectRef idx="0">
-          <a:scrgbClr r="0" g="0" b="0"/>
-        </a:effectRef>
-        <a:fontRef idx="minor">
-          <a:schemeClr val="lt1"/>
-        </a:fontRef>
-      </dsp:style>
-    </dsp:sp>
-    <dsp:sp modelId="{F0085EC4-35EA-4614-A414-6236407E5F93}">
-      <dsp:nvSpPr>
-        <dsp:cNvPr id="0" name=""/>
-        <dsp:cNvSpPr/>
-      </dsp:nvSpPr>
-      <dsp:spPr>
-        <a:xfrm>
-          <a:off x="3677081" y="0"/>
-          <a:ext cx="1749086" cy="1559202"/>
-        </a:xfrm>
-        <a:prstGeom prst="rect">
-          <a:avLst/>
-        </a:prstGeom>
-        <a:noFill/>
-        <a:ln>
-          <a:noFill/>
-        </a:ln>
-        <a:effectLst/>
-      </dsp:spPr>
-      <dsp:style>
-        <a:lnRef idx="0">
-          <a:scrgbClr r="0" g="0" b="0"/>
-        </a:lnRef>
-        <a:fillRef idx="0">
-          <a:scrgbClr r="0" g="0" b="0"/>
-        </a:fillRef>
-        <a:effectRef idx="0">
-          <a:scrgbClr r="0" g="0" b="0"/>
-        </a:effectRef>
-        <a:fontRef idx="minor"/>
-      </dsp:style>
-      <dsp:txBody>
-        <a:bodyPr spcFirstLastPara="0" vert="horz" wrap="square" lIns="220472" tIns="220472" rIns="220472" bIns="220472" numCol="1" spcCol="1270" anchor="b" anchorCtr="0">
-          <a:noAutofit/>
-        </a:bodyPr>
-        <a:lstStyle/>
-        <a:p>
-          <a:pPr lvl="0" algn="ctr" defTabSz="1377950">
-            <a:lnSpc>
-              <a:spcPct val="90000"/>
-            </a:lnSpc>
-            <a:spcBef>
-              <a:spcPct val="0"/>
-            </a:spcBef>
-            <a:spcAft>
-              <a:spcPct val="35000"/>
-            </a:spcAft>
-          </a:pPr>
-          <a:r>
-            <a:rPr lang="en-US" sz="3100" kern="1200" dirty="0" smtClean="0"/>
-            <a:t>Stat Arb</a:t>
-          </a:r>
-          <a:endParaRPr lang="en-US" sz="3100" kern="1200" dirty="0"/>
-        </a:p>
-      </dsp:txBody>
-      <dsp:txXfrm>
-        <a:off x="3677081" y="0"/>
-        <a:ext cx="1749086" cy="1559202"/>
-      </dsp:txXfrm>
-    </dsp:sp>
-    <dsp:sp modelId="{ABADAF58-C148-4897-9DE4-18A116BA62AD}">
-      <dsp:nvSpPr>
-        <dsp:cNvPr id="0" name=""/>
-        <dsp:cNvSpPr/>
-      </dsp:nvSpPr>
-      <dsp:spPr>
-        <a:xfrm>
-          <a:off x="4356724" y="1754102"/>
-          <a:ext cx="389800" cy="389800"/>
-        </a:xfrm>
-        <a:prstGeom prst="ellipse">
-          <a:avLst/>
-        </a:prstGeom>
-        <a:solidFill>
-          <a:schemeClr val="accent1">
-            <a:hueOff val="0"/>
-            <a:satOff val="0"/>
-            <a:lumOff val="0"/>
-            <a:alphaOff val="0"/>
-          </a:schemeClr>
-        </a:solidFill>
-        <a:ln w="15875" cap="flat" cmpd="sng" algn="ctr">
-          <a:solidFill>
-            <a:schemeClr val="lt1">
-              <a:hueOff val="0"/>
-              <a:satOff val="0"/>
-              <a:lumOff val="0"/>
-              <a:alphaOff val="0"/>
-            </a:schemeClr>
-          </a:solidFill>
-          <a:prstDash val="solid"/>
-        </a:ln>
-        <a:effectLst/>
-      </dsp:spPr>
-      <dsp:style>
-        <a:lnRef idx="2">
-          <a:scrgbClr r="0" g="0" b="0"/>
-        </a:lnRef>
-        <a:fillRef idx="1">
-          <a:scrgbClr r="0" g="0" b="0"/>
-        </a:fillRef>
-        <a:effectRef idx="0">
-          <a:scrgbClr r="0" g="0" b="0"/>
-        </a:effectRef>
-        <a:fontRef idx="minor">
-          <a:schemeClr val="lt1"/>
-        </a:fontRef>
-      </dsp:style>
-    </dsp:sp>
-    <dsp:sp modelId="{3200985E-0B6C-40C8-9695-E575740435E5}">
-      <dsp:nvSpPr>
-        <dsp:cNvPr id="0" name=""/>
-        <dsp:cNvSpPr/>
-      </dsp:nvSpPr>
-      <dsp:spPr>
-        <a:xfrm>
-          <a:off x="5513622" y="2338803"/>
-          <a:ext cx="1749086" cy="1559202"/>
-        </a:xfrm>
-        <a:prstGeom prst="rect">
-          <a:avLst/>
-        </a:prstGeom>
-        <a:noFill/>
-        <a:ln>
-          <a:noFill/>
-        </a:ln>
-        <a:effectLst/>
-      </dsp:spPr>
-      <dsp:style>
-        <a:lnRef idx="0">
-          <a:scrgbClr r="0" g="0" b="0"/>
-        </a:lnRef>
-        <a:fillRef idx="0">
-          <a:scrgbClr r="0" g="0" b="0"/>
-        </a:fillRef>
-        <a:effectRef idx="0">
-          <a:scrgbClr r="0" g="0" b="0"/>
-        </a:effectRef>
-        <a:fontRef idx="minor"/>
-      </dsp:style>
-      <dsp:txBody>
-        <a:bodyPr spcFirstLastPara="0" vert="horz" wrap="square" lIns="220472" tIns="220472" rIns="220472" bIns="220472" numCol="1" spcCol="1270" anchor="t" anchorCtr="0">
-          <a:noAutofit/>
-        </a:bodyPr>
-        <a:lstStyle/>
-        <a:p>
-          <a:pPr lvl="0" algn="ctr" defTabSz="1377950">
-            <a:lnSpc>
-              <a:spcPct val="90000"/>
-            </a:lnSpc>
-            <a:spcBef>
-              <a:spcPct val="0"/>
-            </a:spcBef>
-            <a:spcAft>
-              <a:spcPct val="35000"/>
-            </a:spcAft>
-          </a:pPr>
-          <a:r>
-            <a:rPr lang="en-US" sz="3100" kern="1200" dirty="0" smtClean="0"/>
-            <a:t>Quant Equity</a:t>
-          </a:r>
-          <a:endParaRPr lang="en-US" sz="3100" kern="1200" dirty="0"/>
-        </a:p>
-      </dsp:txBody>
-      <dsp:txXfrm>
-        <a:off x="5513622" y="2338803"/>
-        <a:ext cx="1749086" cy="1559202"/>
-      </dsp:txXfrm>
-    </dsp:sp>
-    <dsp:sp modelId="{FE66E98F-D647-44B8-AD7E-605878EA141F}">
-      <dsp:nvSpPr>
-        <dsp:cNvPr id="0" name=""/>
-        <dsp:cNvSpPr/>
-      </dsp:nvSpPr>
-      <dsp:spPr>
-        <a:xfrm>
-          <a:off x="6193265" y="1754102"/>
-          <a:ext cx="389800" cy="389800"/>
-        </a:xfrm>
-        <a:prstGeom prst="ellipse">
-          <a:avLst/>
-        </a:prstGeom>
-        <a:solidFill>
-          <a:schemeClr val="accent1">
-            <a:hueOff val="0"/>
-            <a:satOff val="0"/>
-            <a:lumOff val="0"/>
-            <a:alphaOff val="0"/>
-          </a:schemeClr>
-        </a:solidFill>
-        <a:ln w="15875" cap="flat" cmpd="sng" algn="ctr">
-          <a:solidFill>
-            <a:schemeClr val="lt1">
-              <a:hueOff val="0"/>
-              <a:satOff val="0"/>
-              <a:lumOff val="0"/>
-              <a:alphaOff val="0"/>
-            </a:schemeClr>
-          </a:solidFill>
-          <a:prstDash val="solid"/>
-        </a:ln>
-        <a:effectLst/>
-      </dsp:spPr>
-      <dsp:style>
-        <a:lnRef idx="2">
-          <a:scrgbClr r="0" g="0" b="0"/>
-        </a:lnRef>
-        <a:fillRef idx="1">
-          <a:scrgbClr r="0" g="0" b="0"/>
-        </a:fillRef>
-        <a:effectRef idx="0">
-          <a:scrgbClr r="0" g="0" b="0"/>
-        </a:effectRef>
-        <a:fontRef idx="minor">
-          <a:schemeClr val="lt1"/>
-        </a:fontRef>
-      </dsp:style>
-    </dsp:sp>
-    <dsp:sp modelId="{CE0F9683-9759-4FF9-8350-98CC2BB78D36}">
-      <dsp:nvSpPr>
-        <dsp:cNvPr id="0" name=""/>
-        <dsp:cNvSpPr/>
-      </dsp:nvSpPr>
-      <dsp:spPr>
-        <a:xfrm>
-          <a:off x="7350163" y="0"/>
-          <a:ext cx="1749086" cy="1559202"/>
-        </a:xfrm>
-        <a:prstGeom prst="rect">
-          <a:avLst/>
-        </a:prstGeom>
-        <a:noFill/>
-        <a:ln>
-          <a:noFill/>
-        </a:ln>
-        <a:effectLst/>
-      </dsp:spPr>
-      <dsp:style>
-        <a:lnRef idx="0">
-          <a:scrgbClr r="0" g="0" b="0"/>
-        </a:lnRef>
-        <a:fillRef idx="0">
-          <a:scrgbClr r="0" g="0" b="0"/>
-        </a:fillRef>
-        <a:effectRef idx="0">
-          <a:scrgbClr r="0" g="0" b="0"/>
-        </a:effectRef>
-        <a:fontRef idx="minor"/>
-      </dsp:style>
-      <dsp:txBody>
-        <a:bodyPr spcFirstLastPara="0" vert="horz" wrap="square" lIns="220472" tIns="220472" rIns="220472" bIns="220472" numCol="1" spcCol="1270" anchor="b" anchorCtr="0">
-          <a:noAutofit/>
-        </a:bodyPr>
-        <a:lstStyle/>
-        <a:p>
-          <a:pPr lvl="0" algn="ctr" defTabSz="1377950">
-            <a:lnSpc>
-              <a:spcPct val="90000"/>
-            </a:lnSpc>
-            <a:spcBef>
-              <a:spcPct val="0"/>
-            </a:spcBef>
-            <a:spcAft>
-              <a:spcPct val="35000"/>
-            </a:spcAft>
-          </a:pPr>
-          <a:r>
-            <a:rPr lang="en-US" sz="3100" kern="1200" dirty="0" smtClean="0"/>
-            <a:t>CTA</a:t>
-          </a:r>
-          <a:endParaRPr lang="en-US" sz="3100" kern="1200" dirty="0"/>
-        </a:p>
-      </dsp:txBody>
-      <dsp:txXfrm>
-        <a:off x="7350163" y="0"/>
-        <a:ext cx="1749086" cy="1559202"/>
-      </dsp:txXfrm>
-    </dsp:sp>
-    <dsp:sp modelId="{8D76BE73-C025-4659-B979-19953A7FAA72}">
-      <dsp:nvSpPr>
-        <dsp:cNvPr id="0" name=""/>
-        <dsp:cNvSpPr/>
-      </dsp:nvSpPr>
-      <dsp:spPr>
-        <a:xfrm>
-          <a:off x="8029805" y="1754102"/>
-          <a:ext cx="389800" cy="389800"/>
-        </a:xfrm>
-        <a:prstGeom prst="ellipse">
-          <a:avLst/>
-        </a:prstGeom>
-        <a:solidFill>
-          <a:schemeClr val="accent1">
-            <a:hueOff val="0"/>
-            <a:satOff val="0"/>
-            <a:lumOff val="0"/>
-            <a:alphaOff val="0"/>
-          </a:schemeClr>
-        </a:solidFill>
-        <a:ln w="15875" cap="flat" cmpd="sng" algn="ctr">
-          <a:solidFill>
-            <a:schemeClr val="lt1">
-              <a:hueOff val="0"/>
-              <a:satOff val="0"/>
-              <a:lumOff val="0"/>
-              <a:alphaOff val="0"/>
-            </a:schemeClr>
-          </a:solidFill>
-          <a:prstDash val="solid"/>
-        </a:ln>
-        <a:effectLst/>
-      </dsp:spPr>
-      <dsp:style>
-        <a:lnRef idx="2">
-          <a:scrgbClr r="0" g="0" b="0"/>
-        </a:lnRef>
-        <a:fillRef idx="1">
-          <a:scrgbClr r="0" g="0" b="0"/>
-        </a:fillRef>
-        <a:effectRef idx="0">
-          <a:scrgbClr r="0" g="0" b="0"/>
-        </a:effectRef>
-        <a:fontRef idx="minor">
-          <a:schemeClr val="lt1"/>
-        </a:fontRef>
-      </dsp:style>
-    </dsp:sp>
   </dsp:spTree>
 </dsp:drawing>
 </file>
@@ -3269,7 +2684,7 @@
           <a:noFill/>
           <a:extLst>
             <a:ext uri="{909E8E84-426E-40dd-AFC4-6F175D3DCCD1}">
-              <a14:hiddenFill xmlns:a14="http://schemas.microsoft.com/office/drawing/2010/main" xmlns="">
+              <a14:hiddenFill xmlns="" xmlns:a14="http://schemas.microsoft.com/office/drawing/2010/main">
                 <a:solidFill>
                   <a:srgbClr val="FFFFFF"/>
                 </a:solidFill>
@@ -3329,7 +2744,7 @@
             </a:ln>
             <a:extLst>
               <a:ext uri="{91240B29-F687-4f45-9708-019B960494DF}">
-                <a14:hiddenLine xmlns:a14="http://schemas.microsoft.com/office/drawing/2010/main" xmlns="" w="9525">
+                <a14:hiddenLine xmlns="" xmlns:a14="http://schemas.microsoft.com/office/drawing/2010/main" w="9525">
                   <a:solidFill>
                     <a:srgbClr val="000000"/>
                   </a:solidFill>
@@ -3419,7 +2834,7 @@
             </a:ln>
             <a:extLst>
               <a:ext uri="{91240B29-F687-4f45-9708-019B960494DF}">
-                <a14:hiddenLine xmlns:a14="http://schemas.microsoft.com/office/drawing/2010/main" xmlns="" w="9525">
+                <a14:hiddenLine xmlns="" xmlns:a14="http://schemas.microsoft.com/office/drawing/2010/main" w="9525">
                   <a:solidFill>
                     <a:srgbClr val="000000"/>
                   </a:solidFill>
@@ -3509,7 +2924,7 @@
             </a:ln>
             <a:extLst>
               <a:ext uri="{91240B29-F687-4f45-9708-019B960494DF}">
-                <a14:hiddenLine xmlns:a14="http://schemas.microsoft.com/office/drawing/2010/main" xmlns="" w="9525">
+                <a14:hiddenLine xmlns="" xmlns:a14="http://schemas.microsoft.com/office/drawing/2010/main" w="9525">
                   <a:solidFill>
                     <a:srgbClr val="000000"/>
                   </a:solidFill>
@@ -3543,7 +2958,7 @@
             </a:ln>
             <a:extLst>
               <a:ext uri="{91240B29-F687-4f45-9708-019B960494DF}">
-                <a14:hiddenLine xmlns:a14="http://schemas.microsoft.com/office/drawing/2010/main" xmlns="" w="9525">
+                <a14:hiddenLine xmlns="" xmlns:a14="http://schemas.microsoft.com/office/drawing/2010/main" w="9525">
                   <a:solidFill>
                     <a:srgbClr val="000000"/>
                   </a:solidFill>
@@ -3633,7 +3048,7 @@
             </a:ln>
             <a:extLst>
               <a:ext uri="{91240B29-F687-4f45-9708-019B960494DF}">
-                <a14:hiddenLine xmlns:a14="http://schemas.microsoft.com/office/drawing/2010/main" xmlns="" w="9525">
+                <a14:hiddenLine xmlns="" xmlns:a14="http://schemas.microsoft.com/office/drawing/2010/main" w="9525">
                   <a:solidFill>
                     <a:srgbClr val="000000"/>
                   </a:solidFill>
@@ -3695,7 +3110,7 @@
             </a:ln>
             <a:extLst>
               <a:ext uri="{91240B29-F687-4f45-9708-019B960494DF}">
-                <a14:hiddenLine xmlns:a14="http://schemas.microsoft.com/office/drawing/2010/main" xmlns="" w="9525">
+                <a14:hiddenLine xmlns="" xmlns:a14="http://schemas.microsoft.com/office/drawing/2010/main" w="9525">
                   <a:solidFill>
                     <a:srgbClr val="000000"/>
                   </a:solidFill>
@@ -3757,7 +3172,7 @@
             </a:ln>
             <a:extLst>
               <a:ext uri="{91240B29-F687-4f45-9708-019B960494DF}">
-                <a14:hiddenLine xmlns:a14="http://schemas.microsoft.com/office/drawing/2010/main" xmlns="" w="9525">
+                <a14:hiddenLine xmlns="" xmlns:a14="http://schemas.microsoft.com/office/drawing/2010/main" w="9525">
                   <a:solidFill>
                     <a:srgbClr val="000000"/>
                   </a:solidFill>
@@ -3847,7 +3262,7 @@
             </a:ln>
             <a:extLst>
               <a:ext uri="{91240B29-F687-4f45-9708-019B960494DF}">
-                <a14:hiddenLine xmlns:a14="http://schemas.microsoft.com/office/drawing/2010/main" xmlns="" w="9525">
+                <a14:hiddenLine xmlns="" xmlns:a14="http://schemas.microsoft.com/office/drawing/2010/main" w="9525">
                   <a:solidFill>
                     <a:srgbClr val="000000"/>
                   </a:solidFill>
@@ -3909,7 +3324,7 @@
             </a:ln>
             <a:extLst>
               <a:ext uri="{91240B29-F687-4f45-9708-019B960494DF}">
-                <a14:hiddenLine xmlns:a14="http://schemas.microsoft.com/office/drawing/2010/main" xmlns="" w="9525">
+                <a14:hiddenLine xmlns="" xmlns:a14="http://schemas.microsoft.com/office/drawing/2010/main" w="9525">
                   <a:solidFill>
                     <a:srgbClr val="000000"/>
                   </a:solidFill>
@@ -3971,7 +3386,7 @@
             </a:ln>
             <a:extLst>
               <a:ext uri="{91240B29-F687-4f45-9708-019B960494DF}">
-                <a14:hiddenLine xmlns:a14="http://schemas.microsoft.com/office/drawing/2010/main" xmlns="" w="9525">
+                <a14:hiddenLine xmlns="" xmlns:a14="http://schemas.microsoft.com/office/drawing/2010/main" w="9525">
                   <a:solidFill>
                     <a:srgbClr val="000000"/>
                   </a:solidFill>
@@ -4061,7 +3476,7 @@
             </a:ln>
             <a:extLst>
               <a:ext uri="{91240B29-F687-4f45-9708-019B960494DF}">
-                <a14:hiddenLine xmlns:a14="http://schemas.microsoft.com/office/drawing/2010/main" xmlns="" w="9525">
+                <a14:hiddenLine xmlns="" xmlns:a14="http://schemas.microsoft.com/office/drawing/2010/main" w="9525">
                   <a:solidFill>
                     <a:srgbClr val="000000"/>
                   </a:solidFill>
@@ -4151,7 +3566,7 @@
             </a:ln>
             <a:extLst>
               <a:ext uri="{91240B29-F687-4f45-9708-019B960494DF}">
-                <a14:hiddenLine xmlns:a14="http://schemas.microsoft.com/office/drawing/2010/main" xmlns="" w="9525">
+                <a14:hiddenLine xmlns="" xmlns:a14="http://schemas.microsoft.com/office/drawing/2010/main" w="9525">
                   <a:solidFill>
                     <a:srgbClr val="000000"/>
                   </a:solidFill>
@@ -4213,7 +3628,7 @@
             </a:ln>
             <a:extLst>
               <a:ext uri="{91240B29-F687-4f45-9708-019B960494DF}">
-                <a14:hiddenLine xmlns:a14="http://schemas.microsoft.com/office/drawing/2010/main" xmlns="" w="9525">
+                <a14:hiddenLine xmlns="" xmlns:a14="http://schemas.microsoft.com/office/drawing/2010/main" w="9525">
                   <a:solidFill>
                     <a:srgbClr val="000000"/>
                   </a:solidFill>
@@ -4323,7 +3738,7 @@
             </a:ln>
             <a:extLst>
               <a:ext uri="{91240B29-F687-4f45-9708-019B960494DF}">
-                <a14:hiddenLine xmlns:a14="http://schemas.microsoft.com/office/drawing/2010/main" xmlns="" w="9525">
+                <a14:hiddenLine xmlns="" xmlns:a14="http://schemas.microsoft.com/office/drawing/2010/main" w="9525">
                   <a:solidFill>
                     <a:srgbClr val="000000"/>
                   </a:solidFill>
@@ -4385,7 +3800,7 @@
             </a:ln>
             <a:extLst>
               <a:ext uri="{91240B29-F687-4f45-9708-019B960494DF}">
-                <a14:hiddenLine xmlns:a14="http://schemas.microsoft.com/office/drawing/2010/main" xmlns="" w="9525">
+                <a14:hiddenLine xmlns="" xmlns:a14="http://schemas.microsoft.com/office/drawing/2010/main" w="9525">
                   <a:solidFill>
                     <a:srgbClr val="000000"/>
                   </a:solidFill>
@@ -4475,7 +3890,7 @@
             </a:ln>
             <a:extLst>
               <a:ext uri="{91240B29-F687-4f45-9708-019B960494DF}">
-                <a14:hiddenLine xmlns:a14="http://schemas.microsoft.com/office/drawing/2010/main" xmlns="" w="9525">
+                <a14:hiddenLine xmlns="" xmlns:a14="http://schemas.microsoft.com/office/drawing/2010/main" w="9525">
                   <a:solidFill>
                     <a:srgbClr val="000000"/>
                   </a:solidFill>
@@ -4565,7 +3980,7 @@
             </a:ln>
             <a:extLst>
               <a:ext uri="{91240B29-F687-4f45-9708-019B960494DF}">
-                <a14:hiddenLine xmlns:a14="http://schemas.microsoft.com/office/drawing/2010/main" xmlns="" w="9525">
+                <a14:hiddenLine xmlns="" xmlns:a14="http://schemas.microsoft.com/office/drawing/2010/main" w="9525">
                   <a:solidFill>
                     <a:srgbClr val="000000"/>
                   </a:solidFill>
@@ -4627,7 +4042,7 @@
             </a:ln>
             <a:extLst>
               <a:ext uri="{91240B29-F687-4f45-9708-019B960494DF}">
-                <a14:hiddenLine xmlns:a14="http://schemas.microsoft.com/office/drawing/2010/main" xmlns="" w="9525">
+                <a14:hiddenLine xmlns="" xmlns:a14="http://schemas.microsoft.com/office/drawing/2010/main" w="9525">
                   <a:solidFill>
                     <a:srgbClr val="000000"/>
                   </a:solidFill>
@@ -4717,7 +4132,7 @@
             </a:ln>
             <a:extLst>
               <a:ext uri="{91240B29-F687-4f45-9708-019B960494DF}">
-                <a14:hiddenLine xmlns:a14="http://schemas.microsoft.com/office/drawing/2010/main" xmlns="" w="9525">
+                <a14:hiddenLine xmlns="" xmlns:a14="http://schemas.microsoft.com/office/drawing/2010/main" w="9525">
                   <a:solidFill>
                     <a:srgbClr val="000000"/>
                   </a:solidFill>
@@ -4807,7 +4222,7 @@
             </a:ln>
             <a:extLst>
               <a:ext uri="{91240B29-F687-4f45-9708-019B960494DF}">
-                <a14:hiddenLine xmlns:a14="http://schemas.microsoft.com/office/drawing/2010/main" xmlns="" w="9525">
+                <a14:hiddenLine xmlns="" xmlns:a14="http://schemas.microsoft.com/office/drawing/2010/main" w="9525">
                   <a:solidFill>
                     <a:srgbClr val="000000"/>
                   </a:solidFill>
@@ -4863,7 +4278,7 @@
             </a:ln>
             <a:extLst>
               <a:ext uri="{91240B29-F687-4f45-9708-019B960494DF}">
-                <a14:hiddenLine xmlns:a14="http://schemas.microsoft.com/office/drawing/2010/main" xmlns="" w="9525">
+                <a14:hiddenLine xmlns="" xmlns:a14="http://schemas.microsoft.com/office/drawing/2010/main" w="9525">
                   <a:solidFill>
                     <a:srgbClr val="000000"/>
                   </a:solidFill>
@@ -4953,7 +4368,7 @@
             </a:ln>
             <a:extLst>
               <a:ext uri="{91240B29-F687-4f45-9708-019B960494DF}">
-                <a14:hiddenLine xmlns:a14="http://schemas.microsoft.com/office/drawing/2010/main" xmlns="" w="9525">
+                <a14:hiddenLine xmlns="" xmlns:a14="http://schemas.microsoft.com/office/drawing/2010/main" w="9525">
                   <a:solidFill>
                     <a:srgbClr val="000000"/>
                   </a:solidFill>
@@ -5009,7 +4424,7 @@
             </a:ln>
             <a:extLst>
               <a:ext uri="{91240B29-F687-4f45-9708-019B960494DF}">
-                <a14:hiddenLine xmlns:a14="http://schemas.microsoft.com/office/drawing/2010/main" xmlns="" w="9525">
+                <a14:hiddenLine xmlns="" xmlns:a14="http://schemas.microsoft.com/office/drawing/2010/main" w="9525">
                   <a:solidFill>
                     <a:srgbClr val="000000"/>
                   </a:solidFill>
@@ -5099,7 +4514,7 @@
             </a:ln>
             <a:extLst>
               <a:ext uri="{91240B29-F687-4f45-9708-019B960494DF}">
-                <a14:hiddenLine xmlns:a14="http://schemas.microsoft.com/office/drawing/2010/main" xmlns="" w="9525">
+                <a14:hiddenLine xmlns="" xmlns:a14="http://schemas.microsoft.com/office/drawing/2010/main" w="9525">
                   <a:solidFill>
                     <a:srgbClr val="000000"/>
                   </a:solidFill>
@@ -5167,7 +4582,7 @@
             </a:ln>
             <a:extLst>
               <a:ext uri="{91240B29-F687-4f45-9708-019B960494DF}">
-                <a14:hiddenLine xmlns:a14="http://schemas.microsoft.com/office/drawing/2010/main" xmlns="" w="9525">
+                <a14:hiddenLine xmlns="" xmlns:a14="http://schemas.microsoft.com/office/drawing/2010/main" w="9525">
                   <a:solidFill>
                     <a:srgbClr val="000000"/>
                   </a:solidFill>
@@ -5257,7 +4672,7 @@
             </a:ln>
             <a:extLst>
               <a:ext uri="{91240B29-F687-4f45-9708-019B960494DF}">
-                <a14:hiddenLine xmlns:a14="http://schemas.microsoft.com/office/drawing/2010/main" xmlns="" w="9525">
+                <a14:hiddenLine xmlns="" xmlns:a14="http://schemas.microsoft.com/office/drawing/2010/main" w="9525">
                   <a:solidFill>
                     <a:srgbClr val="000000"/>
                   </a:solidFill>
@@ -5325,7 +4740,7 @@
             </a:ln>
             <a:extLst>
               <a:ext uri="{91240B29-F687-4f45-9708-019B960494DF}">
-                <a14:hiddenLine xmlns:a14="http://schemas.microsoft.com/office/drawing/2010/main" xmlns="" w="9525">
+                <a14:hiddenLine xmlns="" xmlns:a14="http://schemas.microsoft.com/office/drawing/2010/main" w="9525">
                   <a:solidFill>
                     <a:srgbClr val="000000"/>
                   </a:solidFill>
@@ -5415,7 +4830,7 @@
             </a:ln>
             <a:extLst>
               <a:ext uri="{91240B29-F687-4f45-9708-019B960494DF}">
-                <a14:hiddenLine xmlns:a14="http://schemas.microsoft.com/office/drawing/2010/main" xmlns="" w="9525">
+                <a14:hiddenLine xmlns="" xmlns:a14="http://schemas.microsoft.com/office/drawing/2010/main" w="9525">
                   <a:solidFill>
                     <a:srgbClr val="000000"/>
                   </a:solidFill>
@@ -5449,7 +4864,7 @@
             </a:ln>
             <a:extLst>
               <a:ext uri="{91240B29-F687-4f45-9708-019B960494DF}">
-                <a14:hiddenLine xmlns:a14="http://schemas.microsoft.com/office/drawing/2010/main" xmlns="" w="9525">
+                <a14:hiddenLine xmlns="" xmlns:a14="http://schemas.microsoft.com/office/drawing/2010/main" w="9525">
                   <a:solidFill>
                     <a:srgbClr val="000000"/>
                   </a:solidFill>
@@ -5539,7 +4954,7 @@
             </a:ln>
             <a:extLst>
               <a:ext uri="{91240B29-F687-4f45-9708-019B960494DF}">
-                <a14:hiddenLine xmlns:a14="http://schemas.microsoft.com/office/drawing/2010/main" xmlns="" w="9525">
+                <a14:hiddenLine xmlns="" xmlns:a14="http://schemas.microsoft.com/office/drawing/2010/main" w="9525">
                   <a:solidFill>
                     <a:srgbClr val="000000"/>
                   </a:solidFill>
@@ -5601,7 +5016,7 @@
             </a:ln>
             <a:extLst>
               <a:ext uri="{91240B29-F687-4f45-9708-019B960494DF}">
-                <a14:hiddenLine xmlns:a14="http://schemas.microsoft.com/office/drawing/2010/main" xmlns="" w="9525">
+                <a14:hiddenLine xmlns="" xmlns:a14="http://schemas.microsoft.com/office/drawing/2010/main" w="9525">
                   <a:solidFill>
                     <a:srgbClr val="000000"/>
                   </a:solidFill>
@@ -5663,7 +5078,7 @@
             </a:ln>
             <a:extLst>
               <a:ext uri="{91240B29-F687-4f45-9708-019B960494DF}">
-                <a14:hiddenLine xmlns:a14="http://schemas.microsoft.com/office/drawing/2010/main" xmlns="" w="9525">
+                <a14:hiddenLine xmlns="" xmlns:a14="http://schemas.microsoft.com/office/drawing/2010/main" w="9525">
                   <a:solidFill>
                     <a:srgbClr val="000000"/>
                   </a:solidFill>
@@ -5753,7 +5168,7 @@
             </a:ln>
             <a:extLst>
               <a:ext uri="{91240B29-F687-4f45-9708-019B960494DF}">
-                <a14:hiddenLine xmlns:a14="http://schemas.microsoft.com/office/drawing/2010/main" xmlns="" w="9525">
+                <a14:hiddenLine xmlns="" xmlns:a14="http://schemas.microsoft.com/office/drawing/2010/main" w="9525">
                   <a:solidFill>
                     <a:srgbClr val="000000"/>
                   </a:solidFill>
@@ -5821,7 +5236,7 @@
             </a:ln>
             <a:extLst>
               <a:ext uri="{91240B29-F687-4f45-9708-019B960494DF}">
-                <a14:hiddenLine xmlns:a14="http://schemas.microsoft.com/office/drawing/2010/main" xmlns="" w="9525">
+                <a14:hiddenLine xmlns="" xmlns:a14="http://schemas.microsoft.com/office/drawing/2010/main" w="9525">
                   <a:solidFill>
                     <a:srgbClr val="000000"/>
                   </a:solidFill>
@@ -5883,7 +5298,7 @@
             </a:ln>
             <a:extLst>
               <a:ext uri="{91240B29-F687-4f45-9708-019B960494DF}">
-                <a14:hiddenLine xmlns:a14="http://schemas.microsoft.com/office/drawing/2010/main" xmlns="" w="9525">
+                <a14:hiddenLine xmlns="" xmlns:a14="http://schemas.microsoft.com/office/drawing/2010/main" w="9525">
                   <a:solidFill>
                     <a:srgbClr val="000000"/>
                   </a:solidFill>
@@ -5973,7 +5388,7 @@
             </a:ln>
             <a:extLst>
               <a:ext uri="{91240B29-F687-4f45-9708-019B960494DF}">
-                <a14:hiddenLine xmlns:a14="http://schemas.microsoft.com/office/drawing/2010/main" xmlns="" w="9525">
+                <a14:hiddenLine xmlns="" xmlns:a14="http://schemas.microsoft.com/office/drawing/2010/main" w="9525">
                   <a:solidFill>
                     <a:srgbClr val="000000"/>
                   </a:solidFill>
@@ -6035,7 +5450,7 @@
             </a:ln>
             <a:extLst>
               <a:ext uri="{91240B29-F687-4f45-9708-019B960494DF}">
-                <a14:hiddenLine xmlns:a14="http://schemas.microsoft.com/office/drawing/2010/main" xmlns="" w="9525">
+                <a14:hiddenLine xmlns="" xmlns:a14="http://schemas.microsoft.com/office/drawing/2010/main" w="9525">
                   <a:solidFill>
                     <a:srgbClr val="000000"/>
                   </a:solidFill>
@@ -6125,7 +5540,7 @@
             </a:ln>
             <a:extLst>
               <a:ext uri="{91240B29-F687-4f45-9708-019B960494DF}">
-                <a14:hiddenLine xmlns:a14="http://schemas.microsoft.com/office/drawing/2010/main" xmlns="" w="9525">
+                <a14:hiddenLine xmlns="" xmlns:a14="http://schemas.microsoft.com/office/drawing/2010/main" w="9525">
                   <a:solidFill>
                     <a:srgbClr val="000000"/>
                   </a:solidFill>
@@ -6187,7 +5602,7 @@
             </a:ln>
             <a:extLst>
               <a:ext uri="{91240B29-F687-4f45-9708-019B960494DF}">
-                <a14:hiddenLine xmlns:a14="http://schemas.microsoft.com/office/drawing/2010/main" xmlns="" w="9525">
+                <a14:hiddenLine xmlns="" xmlns:a14="http://schemas.microsoft.com/office/drawing/2010/main" w="9525">
                   <a:solidFill>
                     <a:srgbClr val="000000"/>
                   </a:solidFill>
@@ -6277,7 +5692,7 @@
             </a:ln>
             <a:extLst>
               <a:ext uri="{91240B29-F687-4f45-9708-019B960494DF}">
-                <a14:hiddenLine xmlns:a14="http://schemas.microsoft.com/office/drawing/2010/main" xmlns="" w="9525">
+                <a14:hiddenLine xmlns="" xmlns:a14="http://schemas.microsoft.com/office/drawing/2010/main" w="9525">
                   <a:solidFill>
                     <a:srgbClr val="000000"/>
                   </a:solidFill>
@@ -6311,7 +5726,7 @@
             </a:ln>
             <a:extLst>
               <a:ext uri="{91240B29-F687-4f45-9708-019B960494DF}">
-                <a14:hiddenLine xmlns:a14="http://schemas.microsoft.com/office/drawing/2010/main" xmlns="" w="9525">
+                <a14:hiddenLine xmlns="" xmlns:a14="http://schemas.microsoft.com/office/drawing/2010/main" w="9525">
                   <a:solidFill>
                     <a:srgbClr val="000000"/>
                   </a:solidFill>
@@ -6376,7 +5791,7 @@
             </a:ln>
             <a:extLst>
               <a:ext uri="{91240B29-F687-4f45-9708-019B960494DF}">
-                <a14:hiddenLine xmlns:a14="http://schemas.microsoft.com/office/drawing/2010/main" xmlns="" w="9525">
+                <a14:hiddenLine xmlns="" xmlns:a14="http://schemas.microsoft.com/office/drawing/2010/main" w="9525">
                   <a:solidFill>
                     <a:srgbClr val="000000"/>
                   </a:solidFill>
@@ -6466,7 +5881,7 @@
             </a:ln>
             <a:extLst>
               <a:ext uri="{91240B29-F687-4f45-9708-019B960494DF}">
-                <a14:hiddenLine xmlns:a14="http://schemas.microsoft.com/office/drawing/2010/main" xmlns="" w="9525">
+                <a14:hiddenLine xmlns="" xmlns:a14="http://schemas.microsoft.com/office/drawing/2010/main" w="9525">
                   <a:solidFill>
                     <a:srgbClr val="000000"/>
                   </a:solidFill>
@@ -6528,7 +5943,7 @@
             </a:ln>
             <a:extLst>
               <a:ext uri="{91240B29-F687-4f45-9708-019B960494DF}">
-                <a14:hiddenLine xmlns:a14="http://schemas.microsoft.com/office/drawing/2010/main" xmlns="" w="9525">
+                <a14:hiddenLine xmlns="" xmlns:a14="http://schemas.microsoft.com/office/drawing/2010/main" w="9525">
                   <a:solidFill>
                     <a:srgbClr val="000000"/>
                   </a:solidFill>
@@ -6618,7 +6033,7 @@
             </a:ln>
             <a:extLst>
               <a:ext uri="{91240B29-F687-4f45-9708-019B960494DF}">
-                <a14:hiddenLine xmlns:a14="http://schemas.microsoft.com/office/drawing/2010/main" xmlns="" w="9525">
+                <a14:hiddenLine xmlns="" xmlns:a14="http://schemas.microsoft.com/office/drawing/2010/main" w="9525">
                   <a:solidFill>
                     <a:srgbClr val="000000"/>
                   </a:solidFill>
@@ -6708,7 +6123,7 @@
             </a:ln>
             <a:extLst>
               <a:ext uri="{91240B29-F687-4f45-9708-019B960494DF}">
-                <a14:hiddenLine xmlns:a14="http://schemas.microsoft.com/office/drawing/2010/main" xmlns="" w="9525">
+                <a14:hiddenLine xmlns="" xmlns:a14="http://schemas.microsoft.com/office/drawing/2010/main" w="9525">
                   <a:solidFill>
                     <a:srgbClr val="000000"/>
                   </a:solidFill>
@@ -6773,7 +6188,7 @@
             </a:ln>
             <a:extLst>
               <a:ext uri="{91240B29-F687-4f45-9708-019B960494DF}">
-                <a14:hiddenLine xmlns:a14="http://schemas.microsoft.com/office/drawing/2010/main" xmlns="" w="9525">
+                <a14:hiddenLine xmlns="" xmlns:a14="http://schemas.microsoft.com/office/drawing/2010/main" w="9525">
                   <a:solidFill>
                     <a:srgbClr val="000000"/>
                   </a:solidFill>
@@ -6835,7 +6250,7 @@
             </a:ln>
             <a:extLst>
               <a:ext uri="{91240B29-F687-4f45-9708-019B960494DF}">
-                <a14:hiddenLine xmlns:a14="http://schemas.microsoft.com/office/drawing/2010/main" xmlns="" w="9525">
+                <a14:hiddenLine xmlns="" xmlns:a14="http://schemas.microsoft.com/office/drawing/2010/main" w="9525">
                   <a:solidFill>
                     <a:srgbClr val="000000"/>
                   </a:solidFill>
@@ -6925,7 +6340,7 @@
             </a:ln>
             <a:extLst>
               <a:ext uri="{91240B29-F687-4f45-9708-019B960494DF}">
-                <a14:hiddenLine xmlns:a14="http://schemas.microsoft.com/office/drawing/2010/main" xmlns="" w="9525">
+                <a14:hiddenLine xmlns="" xmlns:a14="http://schemas.microsoft.com/office/drawing/2010/main" w="9525">
                   <a:solidFill>
                     <a:srgbClr val="000000"/>
                   </a:solidFill>
@@ -7015,7 +6430,7 @@
             </a:ln>
             <a:extLst>
               <a:ext uri="{91240B29-F687-4f45-9708-019B960494DF}">
-                <a14:hiddenLine xmlns:a14="http://schemas.microsoft.com/office/drawing/2010/main" xmlns="" w="9525">
+                <a14:hiddenLine xmlns="" xmlns:a14="http://schemas.microsoft.com/office/drawing/2010/main" w="9525">
                   <a:solidFill>
                     <a:srgbClr val="000000"/>
                   </a:solidFill>
@@ -7077,7 +6492,7 @@
             </a:ln>
             <a:extLst>
               <a:ext uri="{91240B29-F687-4f45-9708-019B960494DF}">
-                <a14:hiddenLine xmlns:a14="http://schemas.microsoft.com/office/drawing/2010/main" xmlns="" w="9525">
+                <a14:hiddenLine xmlns="" xmlns:a14="http://schemas.microsoft.com/office/drawing/2010/main" w="9525">
                   <a:solidFill>
                     <a:srgbClr val="000000"/>
                   </a:solidFill>
@@ -7197,7 +6612,7 @@
             </a:ln>
             <a:extLst>
               <a:ext uri="{91240B29-F687-4f45-9708-019B960494DF}">
-                <a14:hiddenLine xmlns:a14="http://schemas.microsoft.com/office/drawing/2010/main" xmlns="" w="9525">
+                <a14:hiddenLine xmlns="" xmlns:a14="http://schemas.microsoft.com/office/drawing/2010/main" w="9525">
                   <a:solidFill>
                     <a:srgbClr val="000000"/>
                   </a:solidFill>
@@ -7265,7 +6680,7 @@
             </a:ln>
             <a:extLst>
               <a:ext uri="{91240B29-F687-4f45-9708-019B960494DF}">
-                <a14:hiddenLine xmlns:a14="http://schemas.microsoft.com/office/drawing/2010/main" xmlns="" w="9525">
+                <a14:hiddenLine xmlns="" xmlns:a14="http://schemas.microsoft.com/office/drawing/2010/main" w="9525">
                   <a:solidFill>
                     <a:srgbClr val="000000"/>
                   </a:solidFill>
@@ -7355,7 +6770,7 @@
             </a:ln>
             <a:extLst>
               <a:ext uri="{91240B29-F687-4f45-9708-019B960494DF}">
-                <a14:hiddenLine xmlns:a14="http://schemas.microsoft.com/office/drawing/2010/main" xmlns="" w="9525">
+                <a14:hiddenLine xmlns="" xmlns:a14="http://schemas.microsoft.com/office/drawing/2010/main" w="9525">
                   <a:solidFill>
                     <a:srgbClr val="000000"/>
                   </a:solidFill>
@@ -12077,7 +11492,7 @@
           <a:noFill/>
           <a:extLst>
             <a:ext uri="{909E8E84-426E-40dd-AFC4-6F175D3DCCD1}">
-              <a14:hiddenFill xmlns:a14="http://schemas.microsoft.com/office/drawing/2010/main" xmlns="">
+              <a14:hiddenFill xmlns="" xmlns:a14="http://schemas.microsoft.com/office/drawing/2010/main">
                 <a:solidFill>
                   <a:srgbClr val="FFFFFF"/>
                 </a:solidFill>
@@ -12151,7 +11566,7 @@
               </a:ln>
               <a:extLst>
                 <a:ext uri="{91240B29-F687-4f45-9708-019B960494DF}">
-                  <a14:hiddenLine xmlns:a14="http://schemas.microsoft.com/office/drawing/2010/main" xmlns="" w="9525">
+                  <a14:hiddenLine xmlns="" xmlns:a14="http://schemas.microsoft.com/office/drawing/2010/main" w="9525">
                     <a:solidFill>
                       <a:srgbClr val="000000"/>
                     </a:solidFill>
@@ -12241,7 +11656,7 @@
               </a:ln>
               <a:extLst>
                 <a:ext uri="{91240B29-F687-4f45-9708-019B960494DF}">
-                  <a14:hiddenLine xmlns:a14="http://schemas.microsoft.com/office/drawing/2010/main" xmlns="" w="9525">
+                  <a14:hiddenLine xmlns="" xmlns:a14="http://schemas.microsoft.com/office/drawing/2010/main" w="9525">
                     <a:solidFill>
                       <a:srgbClr val="000000"/>
                     </a:solidFill>
@@ -12331,7 +11746,7 @@
               </a:ln>
               <a:extLst>
                 <a:ext uri="{91240B29-F687-4f45-9708-019B960494DF}">
-                  <a14:hiddenLine xmlns:a14="http://schemas.microsoft.com/office/drawing/2010/main" xmlns="" w="9525">
+                  <a14:hiddenLine xmlns="" xmlns:a14="http://schemas.microsoft.com/office/drawing/2010/main" w="9525">
                     <a:solidFill>
                       <a:srgbClr val="000000"/>
                     </a:solidFill>
@@ -12393,7 +11808,7 @@
               </a:ln>
               <a:extLst>
                 <a:ext uri="{91240B29-F687-4f45-9708-019B960494DF}">
-                  <a14:hiddenLine xmlns:a14="http://schemas.microsoft.com/office/drawing/2010/main" xmlns="" w="9525">
+                  <a14:hiddenLine xmlns="" xmlns:a14="http://schemas.microsoft.com/office/drawing/2010/main" w="9525">
                     <a:solidFill>
                       <a:srgbClr val="000000"/>
                     </a:solidFill>
@@ -12483,7 +11898,7 @@
               </a:ln>
               <a:extLst>
                 <a:ext uri="{91240B29-F687-4f45-9708-019B960494DF}">
-                  <a14:hiddenLine xmlns:a14="http://schemas.microsoft.com/office/drawing/2010/main" xmlns="" w="9525">
+                  <a14:hiddenLine xmlns="" xmlns:a14="http://schemas.microsoft.com/office/drawing/2010/main" w="9525">
                     <a:solidFill>
                       <a:srgbClr val="000000"/>
                     </a:solidFill>
@@ -12545,7 +11960,7 @@
               </a:ln>
               <a:extLst>
                 <a:ext uri="{91240B29-F687-4f45-9708-019B960494DF}">
-                  <a14:hiddenLine xmlns:a14="http://schemas.microsoft.com/office/drawing/2010/main" xmlns="" w="9525">
+                  <a14:hiddenLine xmlns="" xmlns:a14="http://schemas.microsoft.com/office/drawing/2010/main" w="9525">
                     <a:solidFill>
                       <a:srgbClr val="000000"/>
                     </a:solidFill>
@@ -12607,7 +12022,7 @@
               </a:ln>
               <a:extLst>
                 <a:ext uri="{91240B29-F687-4f45-9708-019B960494DF}">
-                  <a14:hiddenLine xmlns:a14="http://schemas.microsoft.com/office/drawing/2010/main" xmlns="" w="9525">
+                  <a14:hiddenLine xmlns="" xmlns:a14="http://schemas.microsoft.com/office/drawing/2010/main" w="9525">
                     <a:solidFill>
                       <a:srgbClr val="000000"/>
                     </a:solidFill>
@@ -12697,7 +12112,7 @@
               </a:ln>
               <a:extLst>
                 <a:ext uri="{91240B29-F687-4f45-9708-019B960494DF}">
-                  <a14:hiddenLine xmlns:a14="http://schemas.microsoft.com/office/drawing/2010/main" xmlns="" w="9525">
+                  <a14:hiddenLine xmlns="" xmlns:a14="http://schemas.microsoft.com/office/drawing/2010/main" w="9525">
                     <a:solidFill>
                       <a:srgbClr val="000000"/>
                     </a:solidFill>
@@ -12787,7 +12202,7 @@
               </a:ln>
               <a:extLst>
                 <a:ext uri="{91240B29-F687-4f45-9708-019B960494DF}">
-                  <a14:hiddenLine xmlns:a14="http://schemas.microsoft.com/office/drawing/2010/main" xmlns="" w="9525">
+                  <a14:hiddenLine xmlns="" xmlns:a14="http://schemas.microsoft.com/office/drawing/2010/main" w="9525">
                     <a:solidFill>
                       <a:srgbClr val="000000"/>
                     </a:solidFill>
@@ -12849,7 +12264,7 @@
               </a:ln>
               <a:extLst>
                 <a:ext uri="{91240B29-F687-4f45-9708-019B960494DF}">
-                  <a14:hiddenLine xmlns:a14="http://schemas.microsoft.com/office/drawing/2010/main" xmlns="" w="9525">
+                  <a14:hiddenLine xmlns="" xmlns:a14="http://schemas.microsoft.com/office/drawing/2010/main" w="9525">
                     <a:solidFill>
                       <a:srgbClr val="000000"/>
                     </a:solidFill>
@@ -12959,7 +12374,7 @@
               </a:ln>
               <a:extLst>
                 <a:ext uri="{91240B29-F687-4f45-9708-019B960494DF}">
-                  <a14:hiddenLine xmlns:a14="http://schemas.microsoft.com/office/drawing/2010/main" xmlns="" w="9525">
+                  <a14:hiddenLine xmlns="" xmlns:a14="http://schemas.microsoft.com/office/drawing/2010/main" w="9525">
                     <a:solidFill>
                       <a:srgbClr val="000000"/>
                     </a:solidFill>
@@ -13043,7 +12458,7 @@
               </a:ln>
               <a:extLst>
                 <a:ext uri="{91240B29-F687-4f45-9708-019B960494DF}">
-                  <a14:hiddenLine xmlns:a14="http://schemas.microsoft.com/office/drawing/2010/main" xmlns="" w="9525">
+                  <a14:hiddenLine xmlns="" xmlns:a14="http://schemas.microsoft.com/office/drawing/2010/main" w="9525">
                     <a:solidFill>
                       <a:srgbClr val="000000"/>
                     </a:solidFill>
@@ -13105,7 +12520,7 @@
               </a:ln>
               <a:extLst>
                 <a:ext uri="{91240B29-F687-4f45-9708-019B960494DF}">
-                  <a14:hiddenLine xmlns:a14="http://schemas.microsoft.com/office/drawing/2010/main" xmlns="" w="9525">
+                  <a14:hiddenLine xmlns="" xmlns:a14="http://schemas.microsoft.com/office/drawing/2010/main" w="9525">
                     <a:solidFill>
                       <a:srgbClr val="000000"/>
                     </a:solidFill>
@@ -13167,7 +12582,7 @@
               </a:ln>
               <a:extLst>
                 <a:ext uri="{91240B29-F687-4f45-9708-019B960494DF}">
-                  <a14:hiddenLine xmlns:a14="http://schemas.microsoft.com/office/drawing/2010/main" xmlns="" w="9525">
+                  <a14:hiddenLine xmlns="" xmlns:a14="http://schemas.microsoft.com/office/drawing/2010/main" w="9525">
                     <a:solidFill>
                       <a:srgbClr val="000000"/>
                     </a:solidFill>
@@ -13257,7 +12672,7 @@
               </a:ln>
               <a:extLst>
                 <a:ext uri="{91240B29-F687-4f45-9708-019B960494DF}">
-                  <a14:hiddenLine xmlns:a14="http://schemas.microsoft.com/office/drawing/2010/main" xmlns="" w="9525">
+                  <a14:hiddenLine xmlns="" xmlns:a14="http://schemas.microsoft.com/office/drawing/2010/main" w="9525">
                     <a:solidFill>
                       <a:srgbClr val="000000"/>
                     </a:solidFill>
@@ -13291,7 +12706,7 @@
               </a:ln>
               <a:extLst>
                 <a:ext uri="{91240B29-F687-4f45-9708-019B960494DF}">
-                  <a14:hiddenLine xmlns:a14="http://schemas.microsoft.com/office/drawing/2010/main" xmlns="" w="9525">
+                  <a14:hiddenLine xmlns="" xmlns:a14="http://schemas.microsoft.com/office/drawing/2010/main" w="9525">
                     <a:solidFill>
                       <a:srgbClr val="000000"/>
                     </a:solidFill>
@@ -13356,7 +12771,7 @@
               </a:ln>
               <a:extLst>
                 <a:ext uri="{91240B29-F687-4f45-9708-019B960494DF}">
-                  <a14:hiddenLine xmlns:a14="http://schemas.microsoft.com/office/drawing/2010/main" xmlns="" w="9525">
+                  <a14:hiddenLine xmlns="" xmlns:a14="http://schemas.microsoft.com/office/drawing/2010/main" w="9525">
                     <a:solidFill>
                       <a:srgbClr val="000000"/>
                     </a:solidFill>
@@ -13446,7 +12861,7 @@
               </a:ln>
               <a:extLst>
                 <a:ext uri="{91240B29-F687-4f45-9708-019B960494DF}">
-                  <a14:hiddenLine xmlns:a14="http://schemas.microsoft.com/office/drawing/2010/main" xmlns="" w="9525">
+                  <a14:hiddenLine xmlns="" xmlns:a14="http://schemas.microsoft.com/office/drawing/2010/main" w="9525">
                     <a:solidFill>
                       <a:srgbClr val="000000"/>
                     </a:solidFill>
@@ -13508,7 +12923,7 @@
               </a:ln>
               <a:extLst>
                 <a:ext uri="{91240B29-F687-4f45-9708-019B960494DF}">
-                  <a14:hiddenLine xmlns:a14="http://schemas.microsoft.com/office/drawing/2010/main" xmlns="" w="9525">
+                  <a14:hiddenLine xmlns="" xmlns:a14="http://schemas.microsoft.com/office/drawing/2010/main" w="9525">
                     <a:solidFill>
                       <a:srgbClr val="000000"/>
                     </a:solidFill>
@@ -13598,7 +13013,7 @@
               </a:ln>
               <a:extLst>
                 <a:ext uri="{91240B29-F687-4f45-9708-019B960494DF}">
-                  <a14:hiddenLine xmlns:a14="http://schemas.microsoft.com/office/drawing/2010/main" xmlns="" w="9525">
+                  <a14:hiddenLine xmlns="" xmlns:a14="http://schemas.microsoft.com/office/drawing/2010/main" w="9525">
                     <a:solidFill>
                       <a:srgbClr val="000000"/>
                     </a:solidFill>
@@ -13663,7 +13078,7 @@
               </a:ln>
               <a:extLst>
                 <a:ext uri="{91240B29-F687-4f45-9708-019B960494DF}">
-                  <a14:hiddenLine xmlns:a14="http://schemas.microsoft.com/office/drawing/2010/main" xmlns="" w="9525">
+                  <a14:hiddenLine xmlns="" xmlns:a14="http://schemas.microsoft.com/office/drawing/2010/main" w="9525">
                     <a:solidFill>
                       <a:srgbClr val="000000"/>
                     </a:solidFill>
@@ -13725,7 +13140,7 @@
               </a:ln>
               <a:extLst>
                 <a:ext uri="{91240B29-F687-4f45-9708-019B960494DF}">
-                  <a14:hiddenLine xmlns:a14="http://schemas.microsoft.com/office/drawing/2010/main" xmlns="" w="9525">
+                  <a14:hiddenLine xmlns="" xmlns:a14="http://schemas.microsoft.com/office/drawing/2010/main" w="9525">
                     <a:solidFill>
                       <a:srgbClr val="000000"/>
                     </a:solidFill>
@@ -13815,7 +13230,7 @@
               </a:ln>
               <a:extLst>
                 <a:ext uri="{91240B29-F687-4f45-9708-019B960494DF}">
-                  <a14:hiddenLine xmlns:a14="http://schemas.microsoft.com/office/drawing/2010/main" xmlns="" w="9525">
+                  <a14:hiddenLine xmlns="" xmlns:a14="http://schemas.microsoft.com/office/drawing/2010/main" w="9525">
                     <a:solidFill>
                       <a:srgbClr val="000000"/>
                     </a:solidFill>
@@ -13905,7 +13320,7 @@
               </a:ln>
               <a:extLst>
                 <a:ext uri="{91240B29-F687-4f45-9708-019B960494DF}">
-                  <a14:hiddenLine xmlns:a14="http://schemas.microsoft.com/office/drawing/2010/main" xmlns="" w="9525">
+                  <a14:hiddenLine xmlns="" xmlns:a14="http://schemas.microsoft.com/office/drawing/2010/main" w="9525">
                     <a:solidFill>
                       <a:srgbClr val="000000"/>
                     </a:solidFill>
@@ -13970,7 +13385,7 @@
               </a:ln>
               <a:extLst>
                 <a:ext uri="{91240B29-F687-4f45-9708-019B960494DF}">
-                  <a14:hiddenLine xmlns:a14="http://schemas.microsoft.com/office/drawing/2010/main" xmlns="" w="9525">
+                  <a14:hiddenLine xmlns="" xmlns:a14="http://schemas.microsoft.com/office/drawing/2010/main" w="9525">
                     <a:solidFill>
                       <a:srgbClr val="000000"/>
                     </a:solidFill>
@@ -14090,7 +13505,7 @@
               </a:ln>
               <a:extLst>
                 <a:ext uri="{91240B29-F687-4f45-9708-019B960494DF}">
-                  <a14:hiddenLine xmlns:a14="http://schemas.microsoft.com/office/drawing/2010/main" xmlns="" w="9525">
+                  <a14:hiddenLine xmlns="" xmlns:a14="http://schemas.microsoft.com/office/drawing/2010/main" w="9525">
                     <a:solidFill>
                       <a:srgbClr val="000000"/>
                     </a:solidFill>
@@ -14188,7 +13603,7 @@
               </a:ln>
               <a:extLst>
                 <a:ext uri="{91240B29-F687-4f45-9708-019B960494DF}">
-                  <a14:hiddenLine xmlns:a14="http://schemas.microsoft.com/office/drawing/2010/main" xmlns="" w="9525">
+                  <a14:hiddenLine xmlns="" xmlns:a14="http://schemas.microsoft.com/office/drawing/2010/main" w="9525">
                     <a:solidFill>
                       <a:srgbClr val="000000"/>
                     </a:solidFill>
@@ -14303,7 +13718,7 @@
               </a:ln>
               <a:extLst>
                 <a:ext uri="{91240B29-F687-4f45-9708-019B960494DF}">
-                  <a14:hiddenLine xmlns:a14="http://schemas.microsoft.com/office/drawing/2010/main" xmlns="" w="9525">
+                  <a14:hiddenLine xmlns="" xmlns:a14="http://schemas.microsoft.com/office/drawing/2010/main" w="9525">
                     <a:solidFill>
                       <a:srgbClr val="000000"/>
                     </a:solidFill>
@@ -14393,7 +13808,7 @@
               </a:ln>
               <a:extLst>
                 <a:ext uri="{91240B29-F687-4f45-9708-019B960494DF}">
-                  <a14:hiddenLine xmlns:a14="http://schemas.microsoft.com/office/drawing/2010/main" xmlns="" w="9525">
+                  <a14:hiddenLine xmlns="" xmlns:a14="http://schemas.microsoft.com/office/drawing/2010/main" w="9525">
                     <a:solidFill>
                       <a:srgbClr val="000000"/>
                     </a:solidFill>
@@ -14458,7 +13873,7 @@
               </a:ln>
               <a:extLst>
                 <a:ext uri="{91240B29-F687-4f45-9708-019B960494DF}">
-                  <a14:hiddenLine xmlns:a14="http://schemas.microsoft.com/office/drawing/2010/main" xmlns="" w="9525">
+                  <a14:hiddenLine xmlns="" xmlns:a14="http://schemas.microsoft.com/office/drawing/2010/main" w="9525">
                     <a:solidFill>
                       <a:srgbClr val="000000"/>
                     </a:solidFill>
@@ -14548,7 +13963,7 @@
               </a:ln>
               <a:extLst>
                 <a:ext uri="{91240B29-F687-4f45-9708-019B960494DF}">
-                  <a14:hiddenLine xmlns:a14="http://schemas.microsoft.com/office/drawing/2010/main" xmlns="" w="9525">
+                  <a14:hiddenLine xmlns="" xmlns:a14="http://schemas.microsoft.com/office/drawing/2010/main" w="9525">
                     <a:solidFill>
                       <a:srgbClr val="000000"/>
                     </a:solidFill>
@@ -14616,7 +14031,7 @@
               </a:ln>
               <a:extLst>
                 <a:ext uri="{91240B29-F687-4f45-9708-019B960494DF}">
-                  <a14:hiddenLine xmlns:a14="http://schemas.microsoft.com/office/drawing/2010/main" xmlns="" w="9525">
+                  <a14:hiddenLine xmlns="" xmlns:a14="http://schemas.microsoft.com/office/drawing/2010/main" w="9525">
                     <a:solidFill>
                       <a:srgbClr val="000000"/>
                     </a:solidFill>
@@ -14706,7 +14121,7 @@
               </a:ln>
               <a:extLst>
                 <a:ext uri="{91240B29-F687-4f45-9708-019B960494DF}">
-                  <a14:hiddenLine xmlns:a14="http://schemas.microsoft.com/office/drawing/2010/main" xmlns="" w="9525">
+                  <a14:hiddenLine xmlns="" xmlns:a14="http://schemas.microsoft.com/office/drawing/2010/main" w="9525">
                     <a:solidFill>
                       <a:srgbClr val="000000"/>
                     </a:solidFill>
@@ -14774,7 +14189,7 @@
               </a:ln>
               <a:extLst>
                 <a:ext uri="{91240B29-F687-4f45-9708-019B960494DF}">
-                  <a14:hiddenLine xmlns:a14="http://schemas.microsoft.com/office/drawing/2010/main" xmlns="" w="9525">
+                  <a14:hiddenLine xmlns="" xmlns:a14="http://schemas.microsoft.com/office/drawing/2010/main" w="9525">
                     <a:solidFill>
                       <a:srgbClr val="000000"/>
                     </a:solidFill>
@@ -14864,7 +14279,7 @@
               </a:ln>
               <a:extLst>
                 <a:ext uri="{91240B29-F687-4f45-9708-019B960494DF}">
-                  <a14:hiddenLine xmlns:a14="http://schemas.microsoft.com/office/drawing/2010/main" xmlns="" w="9525">
+                  <a14:hiddenLine xmlns="" xmlns:a14="http://schemas.microsoft.com/office/drawing/2010/main" w="9525">
                     <a:solidFill>
                       <a:srgbClr val="000000"/>
                     </a:solidFill>
@@ -14898,7 +14313,7 @@
               </a:ln>
               <a:extLst>
                 <a:ext uri="{91240B29-F687-4f45-9708-019B960494DF}">
-                  <a14:hiddenLine xmlns:a14="http://schemas.microsoft.com/office/drawing/2010/main" xmlns="" w="9525">
+                  <a14:hiddenLine xmlns="" xmlns:a14="http://schemas.microsoft.com/office/drawing/2010/main" w="9525">
                     <a:solidFill>
                       <a:srgbClr val="000000"/>
                     </a:solidFill>
@@ -18097,7 +17512,32 @@
           <a:bodyPr/>
           <a:lstStyle/>
           <a:p>
-            <a:endParaRPr lang="en-US"/>
+            <a:pPr marL="0" indent="0">
+              <a:buNone/>
+            </a:pPr>
+            <a:r>
+              <a:rPr lang="en-US" dirty="0">
+                <a:hlinkClick r:id="rId2"/>
+              </a:rPr>
+              <a:t>https://</a:t>
+            </a:r>
+            <a:r>
+              <a:rPr lang="en-US" dirty="0" smtClean="0">
+                <a:hlinkClick r:id="rId2"/>
+              </a:rPr>
+              <a:t>github.com/leighlommen/QuantTrading</a:t>
+            </a:r>
+            <a:endParaRPr lang="en-US" dirty="0" smtClean="0"/>
+          </a:p>
+          <a:p>
+            <a:pPr marL="0" indent="0">
+              <a:buNone/>
+            </a:pPr>
+            <a:r>
+              <a:rPr lang="en-US" dirty="0" smtClean="0"/>
+              <a:t>Email:  Leigh.Lommen@pqam.net</a:t>
+            </a:r>
+            <a:endParaRPr lang="en-US" dirty="0"/>
           </a:p>
         </p:txBody>
       </p:sp>
